--- a/slides.pptx
+++ b/slides.pptx
@@ -909,8 +909,15 @@
         <a:lstStyle/>
         <a:p>
           <a:r>
-            <a:rPr lang="en-US" sz="1800" dirty="0"/>
-            <a:t>Impact statements in every publication</a:t>
+            <a:rPr lang="en-US" sz="2000" dirty="0"/>
+            <a:t>Impact statements</a:t>
+          </a:r>
+          <a:br>
+            <a:rPr lang="en-US" sz="2000" dirty="0"/>
+          </a:br>
+          <a:r>
+            <a:rPr lang="en-US" sz="2000" dirty="0"/>
+            <a:t>in every publication</a:t>
           </a:r>
         </a:p>
       </dgm:t>
@@ -938,14 +945,14 @@
       </dgm:t>
     </dgm:pt>
     <dgm:pt modelId="{775FE33B-2036-4AC3-8AB7-3F16FC5D8842}">
-      <dgm:prSet phldrT="[Text]"/>
+      <dgm:prSet phldrT="[Text]" custT="1"/>
       <dgm:spPr/>
       <dgm:t>
         <a:bodyPr/>
         <a:lstStyle/>
         <a:p>
           <a:r>
-            <a:rPr lang="en-US" dirty="0"/>
+            <a:rPr lang="en-US" sz="1400" dirty="0"/>
             <a:t>Individual awareness</a:t>
           </a:r>
         </a:p>
@@ -1193,12 +1200,12 @@
         </a:fontRef>
       </dsp:style>
       <dsp:txBody>
-        <a:bodyPr spcFirstLastPara="0" vert="horz" wrap="square" lIns="22860" tIns="22860" rIns="22860" bIns="22860" numCol="1" spcCol="1270" anchor="ctr" anchorCtr="0">
+        <a:bodyPr spcFirstLastPara="0" vert="horz" wrap="square" lIns="25400" tIns="25400" rIns="25400" bIns="25400" numCol="1" spcCol="1270" anchor="ctr" anchorCtr="0">
           <a:noAutofit/>
         </a:bodyPr>
         <a:lstStyle/>
         <a:p>
-          <a:pPr marL="0" lvl="0" indent="0" algn="ctr" defTabSz="800100">
+          <a:pPr marL="0" lvl="0" indent="0" algn="ctr" defTabSz="889000">
             <a:lnSpc>
               <a:spcPct val="90000"/>
             </a:lnSpc>
@@ -1211,8 +1218,15 @@
             <a:buNone/>
           </a:pPr>
           <a:r>
-            <a:rPr lang="en-US" sz="1800" kern="1200" dirty="0"/>
-            <a:t>Impact statements in every publication</a:t>
+            <a:rPr lang="en-US" sz="2000" kern="1200" dirty="0"/>
+            <a:t>Impact statements</a:t>
+          </a:r>
+          <a:br>
+            <a:rPr lang="en-US" sz="2000" kern="1200" dirty="0"/>
+          </a:br>
+          <a:r>
+            <a:rPr lang="en-US" sz="2000" kern="1200" dirty="0"/>
+            <a:t>in every publication</a:t>
           </a:r>
         </a:p>
       </dsp:txBody>
@@ -4262,7 +4276,7 @@
           <a:graphicData uri="http://schemas.openxmlformats.org/presentationml/2006/ole">
             <mc:AlternateContent xmlns:mc="http://schemas.openxmlformats.org/markup-compatibility/2006">
               <mc:Choice xmlns:v="urn:schemas-microsoft-com:vml" Requires="v">
-                <p:oleObj spid="_x0000_s2846" name="think-cell Folie" r:id="rId4" imgW="344" imgH="345" progId="TCLayout.ActiveDocument.1">
+                <p:oleObj spid="_x0000_s2847" name="think-cell Folie" r:id="rId4" imgW="344" imgH="345" progId="TCLayout.ActiveDocument.1">
                   <p:embed/>
                 </p:oleObj>
               </mc:Choice>
@@ -5714,7 +5728,7 @@
           <a:graphicData uri="http://schemas.openxmlformats.org/presentationml/2006/ole">
             <mc:AlternateContent xmlns:mc="http://schemas.openxmlformats.org/markup-compatibility/2006">
               <mc:Choice xmlns:v="urn:schemas-microsoft-com:vml" Requires="v">
-                <p:oleObj spid="_x0000_s6942" name="think-cell Folie" r:id="rId4" imgW="344" imgH="345" progId="TCLayout.ActiveDocument.1">
+                <p:oleObj spid="_x0000_s6943" name="think-cell Folie" r:id="rId4" imgW="344" imgH="345" progId="TCLayout.ActiveDocument.1">
                   <p:embed/>
                 </p:oleObj>
               </mc:Choice>
@@ -7128,7 +7142,7 @@
           <a:graphicData uri="http://schemas.openxmlformats.org/presentationml/2006/ole">
             <mc:AlternateContent xmlns:mc="http://schemas.openxmlformats.org/markup-compatibility/2006">
               <mc:Choice xmlns:v="urn:schemas-microsoft-com:vml" Requires="v">
-                <p:oleObj spid="_x0000_s3870" name="think-cell Folie" r:id="rId4" imgW="344" imgH="345" progId="TCLayout.ActiveDocument.1">
+                <p:oleObj spid="_x0000_s3871" name="think-cell Folie" r:id="rId4" imgW="344" imgH="345" progId="TCLayout.ActiveDocument.1">
                   <p:embed/>
                 </p:oleObj>
               </mc:Choice>
@@ -8033,7 +8047,7 @@
           <a:graphicData uri="http://schemas.openxmlformats.org/presentationml/2006/ole">
             <mc:AlternateContent xmlns:mc="http://schemas.openxmlformats.org/markup-compatibility/2006">
               <mc:Choice xmlns:v="urn:schemas-microsoft-com:vml" Requires="v">
-                <p:oleObj spid="_x0000_s4894" name="think-cell Folie" r:id="rId4" imgW="344" imgH="345" progId="TCLayout.ActiveDocument.1">
+                <p:oleObj spid="_x0000_s4895" name="think-cell Folie" r:id="rId4" imgW="344" imgH="345" progId="TCLayout.ActiveDocument.1">
                   <p:embed/>
                 </p:oleObj>
               </mc:Choice>
@@ -8879,7 +8893,7 @@
           <a:graphicData uri="http://schemas.openxmlformats.org/presentationml/2006/ole">
             <mc:AlternateContent xmlns:mc="http://schemas.openxmlformats.org/markup-compatibility/2006">
               <mc:Choice xmlns:v="urn:schemas-microsoft-com:vml" Requires="v">
-                <p:oleObj spid="_x0000_s7569" name="think-cell Folie" r:id="rId4" imgW="344" imgH="345" progId="TCLayout.ActiveDocument.1">
+                <p:oleObj spid="_x0000_s7570" name="think-cell Folie" r:id="rId4" imgW="344" imgH="345" progId="TCLayout.ActiveDocument.1">
                   <p:embed/>
                 </p:oleObj>
               </mc:Choice>
@@ -8981,7 +8995,7 @@
           <a:graphicData uri="http://schemas.openxmlformats.org/presentationml/2006/ole">
             <mc:AlternateContent xmlns:mc="http://schemas.openxmlformats.org/markup-compatibility/2006">
               <mc:Choice xmlns:v="urn:schemas-microsoft-com:vml" Requires="v">
-                <p:oleObj spid="_x0000_s5918" name="think-cell Folie" r:id="rId4" imgW="344" imgH="345" progId="TCLayout.ActiveDocument.1">
+                <p:oleObj spid="_x0000_s5919" name="think-cell Folie" r:id="rId4" imgW="344" imgH="345" progId="TCLayout.ActiveDocument.1">
                   <p:embed/>
                 </p:oleObj>
               </mc:Choice>
@@ -11376,7 +11390,7 @@
           <a:graphicData uri="http://schemas.openxmlformats.org/presentationml/2006/ole">
             <mc:AlternateContent xmlns:mc="http://schemas.openxmlformats.org/markup-compatibility/2006">
               <mc:Choice xmlns:v="urn:schemas-microsoft-com:vml" Requires="v">
-                <p:oleObj spid="_x0000_s1822" name="think-cell Folie" r:id="rId14" imgW="344" imgH="345" progId="TCLayout.ActiveDocument.1">
+                <p:oleObj spid="_x0000_s1823" name="think-cell Folie" r:id="rId14" imgW="344" imgH="345" progId="TCLayout.ActiveDocument.1">
                   <p:embed/>
                 </p:oleObj>
               </mc:Choice>
@@ -15061,7 +15075,7 @@
           <p:nvPr>
             <p:extLst>
               <p:ext uri="{D42A27DB-BD31-4B8C-83A1-F6EECF244321}">
-                <p14:modId xmlns:p14="http://schemas.microsoft.com/office/powerpoint/2010/main" val="3907200764"/>
+                <p14:modId xmlns:p14="http://schemas.microsoft.com/office/powerpoint/2010/main" val="1059533961"/>
               </p:ext>
             </p:extLst>
           </p:nvPr>

--- a/slides.pptx
+++ b/slides.pptx
@@ -5,10 +5,10 @@
     <p:sldMasterId id="2147483648" r:id="rId1"/>
   </p:sldMasterIdLst>
   <p:notesMasterIdLst>
-    <p:notesMasterId r:id="rId10"/>
+    <p:notesMasterId r:id="rId11"/>
   </p:notesMasterIdLst>
   <p:handoutMasterIdLst>
-    <p:handoutMasterId r:id="rId11"/>
+    <p:handoutMasterId r:id="rId12"/>
   </p:handoutMasterIdLst>
   <p:sldIdLst>
     <p:sldId id="281" r:id="rId2"/>
@@ -18,12 +18,13 @@
     <p:sldId id="410" r:id="rId6"/>
     <p:sldId id="411" r:id="rId7"/>
     <p:sldId id="412" r:id="rId8"/>
-    <p:sldId id="311" r:id="rId9"/>
+    <p:sldId id="413" r:id="rId9"/>
+    <p:sldId id="311" r:id="rId10"/>
   </p:sldIdLst>
   <p:sldSz cx="12192000" cy="6858000"/>
   <p:notesSz cx="7315200" cy="9601200"/>
   <p:custDataLst>
-    <p:tags r:id="rId12"/>
+    <p:tags r:id="rId13"/>
   </p:custDataLst>
   <p:defaultTextStyle>
     <a:defPPr>
@@ -132,6 +133,7 @@
             <p14:sldId id="410"/>
             <p14:sldId id="411"/>
             <p14:sldId id="412"/>
+            <p14:sldId id="413"/>
             <p14:sldId id="311"/>
           </p14:sldIdLst>
         </p14:section>
@@ -4276,7 +4278,7 @@
           <a:graphicData uri="http://schemas.openxmlformats.org/presentationml/2006/ole">
             <mc:AlternateContent xmlns:mc="http://schemas.openxmlformats.org/markup-compatibility/2006">
               <mc:Choice xmlns:v="urn:schemas-microsoft-com:vml" Requires="v">
-                <p:oleObj spid="_x0000_s2847" name="think-cell Folie" r:id="rId4" imgW="344" imgH="345" progId="TCLayout.ActiveDocument.1">
+                <p:oleObj spid="_x0000_s2852" name="think-cell Folie" r:id="rId4" imgW="344" imgH="345" progId="TCLayout.ActiveDocument.1">
                   <p:embed/>
                 </p:oleObj>
               </mc:Choice>
@@ -5728,7 +5730,7 @@
           <a:graphicData uri="http://schemas.openxmlformats.org/presentationml/2006/ole">
             <mc:AlternateContent xmlns:mc="http://schemas.openxmlformats.org/markup-compatibility/2006">
               <mc:Choice xmlns:v="urn:schemas-microsoft-com:vml" Requires="v">
-                <p:oleObj spid="_x0000_s6943" name="think-cell Folie" r:id="rId4" imgW="344" imgH="345" progId="TCLayout.ActiveDocument.1">
+                <p:oleObj spid="_x0000_s6948" name="think-cell Folie" r:id="rId4" imgW="344" imgH="345" progId="TCLayout.ActiveDocument.1">
                   <p:embed/>
                 </p:oleObj>
               </mc:Choice>
@@ -7142,7 +7144,7 @@
           <a:graphicData uri="http://schemas.openxmlformats.org/presentationml/2006/ole">
             <mc:AlternateContent xmlns:mc="http://schemas.openxmlformats.org/markup-compatibility/2006">
               <mc:Choice xmlns:v="urn:schemas-microsoft-com:vml" Requires="v">
-                <p:oleObj spid="_x0000_s3871" name="think-cell Folie" r:id="rId4" imgW="344" imgH="345" progId="TCLayout.ActiveDocument.1">
+                <p:oleObj spid="_x0000_s3876" name="think-cell Folie" r:id="rId4" imgW="344" imgH="345" progId="TCLayout.ActiveDocument.1">
                   <p:embed/>
                 </p:oleObj>
               </mc:Choice>
@@ -8047,7 +8049,7 @@
           <a:graphicData uri="http://schemas.openxmlformats.org/presentationml/2006/ole">
             <mc:AlternateContent xmlns:mc="http://schemas.openxmlformats.org/markup-compatibility/2006">
               <mc:Choice xmlns:v="urn:schemas-microsoft-com:vml" Requires="v">
-                <p:oleObj spid="_x0000_s4895" name="think-cell Folie" r:id="rId4" imgW="344" imgH="345" progId="TCLayout.ActiveDocument.1">
+                <p:oleObj spid="_x0000_s4900" name="think-cell Folie" r:id="rId4" imgW="344" imgH="345" progId="TCLayout.ActiveDocument.1">
                   <p:embed/>
                 </p:oleObj>
               </mc:Choice>
@@ -8893,7 +8895,7 @@
           <a:graphicData uri="http://schemas.openxmlformats.org/presentationml/2006/ole">
             <mc:AlternateContent xmlns:mc="http://schemas.openxmlformats.org/markup-compatibility/2006">
               <mc:Choice xmlns:v="urn:schemas-microsoft-com:vml" Requires="v">
-                <p:oleObj spid="_x0000_s7570" name="think-cell Folie" r:id="rId4" imgW="344" imgH="345" progId="TCLayout.ActiveDocument.1">
+                <p:oleObj spid="_x0000_s7575" name="think-cell Folie" r:id="rId4" imgW="344" imgH="345" progId="TCLayout.ActiveDocument.1">
                   <p:embed/>
                 </p:oleObj>
               </mc:Choice>
@@ -8995,7 +8997,7 @@
           <a:graphicData uri="http://schemas.openxmlformats.org/presentationml/2006/ole">
             <mc:AlternateContent xmlns:mc="http://schemas.openxmlformats.org/markup-compatibility/2006">
               <mc:Choice xmlns:v="urn:schemas-microsoft-com:vml" Requires="v">
-                <p:oleObj spid="_x0000_s5919" name="think-cell Folie" r:id="rId4" imgW="344" imgH="345" progId="TCLayout.ActiveDocument.1">
+                <p:oleObj spid="_x0000_s5924" name="think-cell Folie" r:id="rId4" imgW="344" imgH="345" progId="TCLayout.ActiveDocument.1">
                   <p:embed/>
                 </p:oleObj>
               </mc:Choice>
@@ -11390,7 +11392,7 @@
           <a:graphicData uri="http://schemas.openxmlformats.org/presentationml/2006/ole">
             <mc:AlternateContent xmlns:mc="http://schemas.openxmlformats.org/markup-compatibility/2006">
               <mc:Choice xmlns:v="urn:schemas-microsoft-com:vml" Requires="v">
-                <p:oleObj spid="_x0000_s1823" name="think-cell Folie" r:id="rId14" imgW="344" imgH="345" progId="TCLayout.ActiveDocument.1">
+                <p:oleObj spid="_x0000_s1828" name="think-cell Folie" r:id="rId14" imgW="344" imgH="345" progId="TCLayout.ActiveDocument.1">
                   <p:embed/>
                 </p:oleObj>
               </mc:Choice>
@@ -15795,6 +15797,456 @@
 </file>
 
 <file path=ppt/slides/slide8.xml><?xml version="1.0" encoding="utf-8"?>
+<p:sld xmlns:a="http://schemas.openxmlformats.org/drawingml/2006/main" xmlns:r="http://schemas.openxmlformats.org/officeDocument/2006/relationships" xmlns:p="http://schemas.openxmlformats.org/presentationml/2006/main">
+  <p:cSld>
+    <p:spTree>
+      <p:nvGrpSpPr>
+        <p:cNvPr id="1" name=""/>
+        <p:cNvGrpSpPr/>
+        <p:nvPr/>
+      </p:nvGrpSpPr>
+      <p:grpSpPr>
+        <a:xfrm>
+          <a:off x="0" y="0"/>
+          <a:ext cx="0" cy="0"/>
+          <a:chOff x="0" y="0"/>
+          <a:chExt cx="0" cy="0"/>
+        </a:xfrm>
+      </p:grpSpPr>
+      <p:grpSp>
+        <p:nvGrpSpPr>
+          <p:cNvPr id="2" name="Gruppieren 1">
+            <a:extLst>
+              <a:ext uri="{FF2B5EF4-FFF2-40B4-BE49-F238E27FC236}">
+                <a16:creationId xmlns:a16="http://schemas.microsoft.com/office/drawing/2014/main" id="{12D2C4B4-8FD8-4081-B4E8-2FFFD4C370CF}"/>
+              </a:ext>
+            </a:extLst>
+          </p:cNvPr>
+          <p:cNvGrpSpPr/>
+          <p:nvPr/>
+        </p:nvGrpSpPr>
+        <p:grpSpPr>
+          <a:xfrm>
+            <a:off x="10334186" y="380246"/>
+            <a:ext cx="1480586" cy="1410454"/>
+            <a:chOff x="695326" y="3614348"/>
+            <a:chExt cx="1350758" cy="1286776"/>
+          </a:xfrm>
+        </p:grpSpPr>
+        <p:pic>
+          <p:nvPicPr>
+            <p:cNvPr id="3" name="Grafik 2">
+              <a:extLst>
+                <a:ext uri="{FF2B5EF4-FFF2-40B4-BE49-F238E27FC236}">
+                  <a16:creationId xmlns:a16="http://schemas.microsoft.com/office/drawing/2014/main" id="{7920503E-5AEB-4A0B-B522-F9E6E149F9DD}"/>
+                </a:ext>
+              </a:extLst>
+            </p:cNvPr>
+            <p:cNvPicPr>
+              <a:picLocks noChangeAspect="1"/>
+            </p:cNvPicPr>
+            <p:nvPr/>
+          </p:nvPicPr>
+          <p:blipFill>
+            <a:blip r:embed="rId2">
+              <a:biLevel thresh="25000"/>
+            </a:blip>
+            <a:stretch>
+              <a:fillRect/>
+            </a:stretch>
+          </p:blipFill>
+          <p:spPr>
+            <a:xfrm>
+              <a:off x="695326" y="3614348"/>
+              <a:ext cx="1350758" cy="1286775"/>
+            </a:xfrm>
+            <a:prstGeom prst="rect">
+              <a:avLst/>
+            </a:prstGeom>
+          </p:spPr>
+        </p:pic>
+        <p:pic>
+          <p:nvPicPr>
+            <p:cNvPr id="4" name="Grafik 3">
+              <a:extLst>
+                <a:ext uri="{FF2B5EF4-FFF2-40B4-BE49-F238E27FC236}">
+                  <a16:creationId xmlns:a16="http://schemas.microsoft.com/office/drawing/2014/main" id="{F74D61F6-5BFE-4E07-A7F4-3F7BE2BC89FA}"/>
+                </a:ext>
+              </a:extLst>
+            </p:cNvPr>
+            <p:cNvPicPr>
+              <a:picLocks noChangeAspect="1"/>
+            </p:cNvPicPr>
+            <p:nvPr/>
+          </p:nvPicPr>
+          <p:blipFill>
+            <a:blip r:embed="rId2">
+              <a:clrChange>
+                <a:clrFrom>
+                  <a:srgbClr val="6F6F6F"/>
+                </a:clrFrom>
+                <a:clrTo>
+                  <a:srgbClr val="6F6F6F">
+                    <a:alpha val="0"/>
+                  </a:srgbClr>
+                </a:clrTo>
+              </a:clrChange>
+            </a:blip>
+            <a:stretch>
+              <a:fillRect/>
+            </a:stretch>
+          </p:blipFill>
+          <p:spPr>
+            <a:xfrm>
+              <a:off x="695326" y="3614349"/>
+              <a:ext cx="1350758" cy="1286775"/>
+            </a:xfrm>
+            <a:prstGeom prst="rect">
+              <a:avLst/>
+            </a:prstGeom>
+          </p:spPr>
+        </p:pic>
+      </p:grpSp>
+      <p:sp>
+        <p:nvSpPr>
+          <p:cNvPr id="5" name="Textfeld 4">
+            <a:extLst>
+              <a:ext uri="{FF2B5EF4-FFF2-40B4-BE49-F238E27FC236}">
+                <a16:creationId xmlns:a16="http://schemas.microsoft.com/office/drawing/2014/main" id="{33BD22A4-1CF6-4E4A-B324-58E04780E3CE}"/>
+              </a:ext>
+            </a:extLst>
+          </p:cNvPr>
+          <p:cNvSpPr txBox="1"/>
+          <p:nvPr/>
+        </p:nvSpPr>
+        <p:spPr>
+          <a:xfrm>
+            <a:off x="3837483" y="6216385"/>
+            <a:ext cx="4518866" cy="236988"/>
+          </a:xfrm>
+          <a:prstGeom prst="rect">
+            <a:avLst/>
+          </a:prstGeom>
+          <a:noFill/>
+        </p:spPr>
+        <p:txBody>
+          <a:bodyPr wrap="none" lIns="0" tIns="0" rIns="0" bIns="0" rtlCol="0">
+            <a:spAutoFit/>
+          </a:bodyPr>
+          <a:lstStyle/>
+          <a:p>
+            <a:pPr algn="ctr">
+              <a:lnSpc>
+                <a:spcPts val="1960"/>
+              </a:lnSpc>
+              <a:buClr>
+                <a:schemeClr val="accent1"/>
+              </a:buClr>
+            </a:pPr>
+            <a:r>
+              <a:rPr lang="en-US" sz="1400" i="1" dirty="0">
+                <a:solidFill>
+                  <a:schemeClr val="bg1"/>
+                </a:solidFill>
+              </a:rPr>
+              <a:t>github.com/</a:t>
+            </a:r>
+            <a:r>
+              <a:rPr lang="en-US" sz="1400" i="1" dirty="0" err="1">
+                <a:solidFill>
+                  <a:schemeClr val="bg1"/>
+                </a:solidFill>
+              </a:rPr>
+              <a:t>lamarr</a:t>
+            </a:r>
+            <a:r>
+              <a:rPr lang="en-US" sz="1400" i="1" dirty="0">
+                <a:solidFill>
+                  <a:schemeClr val="bg1"/>
+                </a:solidFill>
+              </a:rPr>
+              <a:t>-institute/</a:t>
+            </a:r>
+            <a:r>
+              <a:rPr lang="en-US" sz="1400" i="1" dirty="0" err="1">
+                <a:solidFill>
+                  <a:schemeClr val="bg1"/>
+                </a:solidFill>
+              </a:rPr>
+              <a:t>lamarr</a:t>
+            </a:r>
+            <a:r>
+              <a:rPr lang="en-US" sz="1400" i="1" dirty="0">
+                <a:solidFill>
+                  <a:schemeClr val="bg1"/>
+                </a:solidFill>
+              </a:rPr>
+              <a:t>-energy-tracker</a:t>
+            </a:r>
+          </a:p>
+        </p:txBody>
+      </p:sp>
+      <p:pic>
+        <p:nvPicPr>
+          <p:cNvPr id="6" name="Grafik 5">
+            <a:extLst>
+              <a:ext uri="{FF2B5EF4-FFF2-40B4-BE49-F238E27FC236}">
+                <a16:creationId xmlns:a16="http://schemas.microsoft.com/office/drawing/2014/main" id="{2A38997E-0BBD-4012-915F-81725C9EA4F6}"/>
+              </a:ext>
+            </a:extLst>
+          </p:cNvPr>
+          <p:cNvPicPr>
+            <a:picLocks noChangeAspect="1"/>
+          </p:cNvPicPr>
+          <p:nvPr/>
+        </p:nvPicPr>
+        <p:blipFill rotWithShape="1">
+          <a:blip r:embed="rId3"/>
+          <a:srcRect l="11937" t="-206" r="11937" b="206"/>
+          <a:stretch/>
+        </p:blipFill>
+        <p:spPr>
+          <a:xfrm>
+            <a:off x="2732318" y="1488134"/>
+            <a:ext cx="6727363" cy="4215578"/>
+          </a:xfrm>
+          <a:prstGeom prst="roundRect">
+            <a:avLst>
+              <a:gd name="adj" fmla="val 16667"/>
+            </a:avLst>
+          </a:prstGeom>
+          <a:ln>
+            <a:noFill/>
+          </a:ln>
+          <a:effectLst>
+            <a:outerShdw blurRad="152400" dist="12000" dir="900000" sy="98000" kx="110000" ky="200000" algn="tl" rotWithShape="0">
+              <a:srgbClr val="000000">
+                <a:alpha val="30000"/>
+              </a:srgbClr>
+            </a:outerShdw>
+          </a:effectLst>
+          <a:scene3d>
+            <a:camera prst="perspectiveRelaxed">
+              <a:rot lat="19800000" lon="1200000" rev="20820000"/>
+            </a:camera>
+            <a:lightRig rig="threePt" dir="t"/>
+          </a:scene3d>
+          <a:sp3d contourW="6350" prstMaterial="matte">
+            <a:bevelT w="101600" h="101600"/>
+            <a:contourClr>
+              <a:srgbClr val="969696"/>
+            </a:contourClr>
+          </a:sp3d>
+        </p:spPr>
+      </p:pic>
+      <p:sp>
+        <p:nvSpPr>
+          <p:cNvPr id="7" name="Textfeld 6">
+            <a:extLst>
+              <a:ext uri="{FF2B5EF4-FFF2-40B4-BE49-F238E27FC236}">
+                <a16:creationId xmlns:a16="http://schemas.microsoft.com/office/drawing/2014/main" id="{2BC7C647-A4FC-4399-96EA-AB2641801D4C}"/>
+              </a:ext>
+            </a:extLst>
+          </p:cNvPr>
+          <p:cNvSpPr txBox="1"/>
+          <p:nvPr/>
+        </p:nvSpPr>
+        <p:spPr>
+          <a:xfrm>
+            <a:off x="2455058" y="1257849"/>
+            <a:ext cx="7394939" cy="256480"/>
+          </a:xfrm>
+          <a:prstGeom prst="rect">
+            <a:avLst/>
+          </a:prstGeom>
+          <a:noFill/>
+        </p:spPr>
+        <p:txBody>
+          <a:bodyPr wrap="square" lIns="0" tIns="0" rIns="0" bIns="0" rtlCol="0">
+            <a:spAutoFit/>
+          </a:bodyPr>
+          <a:lstStyle/>
+          <a:p>
+            <a:pPr algn="ctr">
+              <a:lnSpc>
+                <a:spcPts val="1960"/>
+              </a:lnSpc>
+              <a:buClr>
+                <a:schemeClr val="accent1"/>
+              </a:buClr>
+            </a:pPr>
+            <a:r>
+              <a:rPr lang="en-US" dirty="0">
+                <a:solidFill>
+                  <a:schemeClr val="bg1"/>
+                </a:solidFill>
+                <a:sym typeface="Wingdings" panose="05000000000000000000" pitchFamily="2" charset="2"/>
+              </a:rPr>
+              <a:t>To investigate the multi-dimensional performance of AI models!</a:t>
+            </a:r>
+          </a:p>
+        </p:txBody>
+      </p:sp>
+      <p:sp>
+        <p:nvSpPr>
+          <p:cNvPr id="10" name="Textfeld 9">
+            <a:extLst>
+              <a:ext uri="{FF2B5EF4-FFF2-40B4-BE49-F238E27FC236}">
+                <a16:creationId xmlns:a16="http://schemas.microsoft.com/office/drawing/2014/main" id="{15A6E4AF-72A5-4210-9287-7B4E031CF710}"/>
+              </a:ext>
+            </a:extLst>
+          </p:cNvPr>
+          <p:cNvSpPr txBox="1"/>
+          <p:nvPr/>
+        </p:nvSpPr>
+        <p:spPr>
+          <a:xfrm>
+            <a:off x="2826188" y="544574"/>
+            <a:ext cx="6539622" cy="430887"/>
+          </a:xfrm>
+          <a:prstGeom prst="rect">
+            <a:avLst/>
+          </a:prstGeom>
+          <a:noFill/>
+        </p:spPr>
+        <p:txBody>
+          <a:bodyPr wrap="square" lIns="0" tIns="0" rIns="0" bIns="0" rtlCol="0">
+            <a:spAutoFit/>
+          </a:bodyPr>
+          <a:lstStyle/>
+          <a:p>
+            <a:pPr algn="ctr">
+              <a:buClr>
+                <a:schemeClr val="accent1"/>
+              </a:buClr>
+            </a:pPr>
+            <a:r>
+              <a:rPr lang="en-US" sz="2800" b="1" dirty="0">
+                <a:solidFill>
+                  <a:schemeClr val="bg1"/>
+                </a:solidFill>
+              </a:rPr>
+              <a:t>Integrate LET with </a:t>
+            </a:r>
+            <a:r>
+              <a:rPr lang="en-US" sz="2800" b="1" dirty="0" err="1">
+                <a:solidFill>
+                  <a:schemeClr val="bg1"/>
+                </a:solidFill>
+              </a:rPr>
+              <a:t>Mlflow</a:t>
+            </a:r>
+            <a:r>
+              <a:rPr lang="en-US" sz="2800" b="1" dirty="0">
+                <a:solidFill>
+                  <a:schemeClr val="bg1"/>
+                </a:solidFill>
+              </a:rPr>
+              <a:t> &amp; STREP</a:t>
+            </a:r>
+          </a:p>
+        </p:txBody>
+      </p:sp>
+    </p:spTree>
+    <p:extLst>
+      <p:ext uri="{BB962C8B-B14F-4D97-AF65-F5344CB8AC3E}">
+        <p14:creationId xmlns:p14="http://schemas.microsoft.com/office/powerpoint/2010/main" val="3451089161"/>
+      </p:ext>
+    </p:extLst>
+  </p:cSld>
+  <p:clrMapOvr>
+    <a:masterClrMapping/>
+  </p:clrMapOvr>
+  <p:timing>
+    <p:tnLst>
+      <p:par>
+        <p:cTn id="1" dur="indefinite" restart="never" nodeType="tmRoot">
+          <p:childTnLst>
+            <p:seq concurrent="1" nextAc="seek">
+              <p:cTn id="2" dur="indefinite" nodeType="mainSeq">
+                <p:childTnLst>
+                  <p:par>
+                    <p:cTn id="3" fill="hold">
+                      <p:stCondLst>
+                        <p:cond delay="indefinite"/>
+                      </p:stCondLst>
+                      <p:childTnLst>
+                        <p:par>
+                          <p:cTn id="4" fill="hold">
+                            <p:stCondLst>
+                              <p:cond delay="0"/>
+                            </p:stCondLst>
+                            <p:childTnLst>
+                              <p:par>
+                                <p:cTn id="5" presetID="10" presetClass="entr" presetSubtype="0" fill="hold" grpId="0" nodeType="clickEffect">
+                                  <p:stCondLst>
+                                    <p:cond delay="0"/>
+                                  </p:stCondLst>
+                                  <p:childTnLst>
+                                    <p:set>
+                                      <p:cBhvr>
+                                        <p:cTn id="6" dur="1" fill="hold">
+                                          <p:stCondLst>
+                                            <p:cond delay="0"/>
+                                          </p:stCondLst>
+                                        </p:cTn>
+                                        <p:tgtEl>
+                                          <p:spTgt spid="7"/>
+                                        </p:tgtEl>
+                                        <p:attrNameLst>
+                                          <p:attrName>style.visibility</p:attrName>
+                                        </p:attrNameLst>
+                                      </p:cBhvr>
+                                      <p:to>
+                                        <p:strVal val="visible"/>
+                                      </p:to>
+                                    </p:set>
+                                    <p:animEffect transition="in" filter="fade">
+                                      <p:cBhvr>
+                                        <p:cTn id="7" dur="500"/>
+                                        <p:tgtEl>
+                                          <p:spTgt spid="7"/>
+                                        </p:tgtEl>
+                                      </p:cBhvr>
+                                    </p:animEffect>
+                                  </p:childTnLst>
+                                </p:cTn>
+                              </p:par>
+                            </p:childTnLst>
+                          </p:cTn>
+                        </p:par>
+                      </p:childTnLst>
+                    </p:cTn>
+                  </p:par>
+                </p:childTnLst>
+              </p:cTn>
+              <p:prevCondLst>
+                <p:cond evt="onPrev" delay="0">
+                  <p:tgtEl>
+                    <p:sldTgt/>
+                  </p:tgtEl>
+                </p:cond>
+              </p:prevCondLst>
+              <p:nextCondLst>
+                <p:cond evt="onNext" delay="0">
+                  <p:tgtEl>
+                    <p:sldTgt/>
+                  </p:tgtEl>
+                </p:cond>
+              </p:nextCondLst>
+            </p:seq>
+          </p:childTnLst>
+        </p:cTn>
+      </p:par>
+    </p:tnLst>
+    <p:bldLst>
+      <p:bldP spid="7" grpId="0"/>
+    </p:bldLst>
+  </p:timing>
+</p:sld>
+</file>
+
+<file path=ppt/slides/slide9.xml><?xml version="1.0" encoding="utf-8"?>
 <p:sld xmlns:a="http://schemas.openxmlformats.org/drawingml/2006/main" xmlns:r="http://schemas.openxmlformats.org/officeDocument/2006/relationships" xmlns:p="http://schemas.openxmlformats.org/presentationml/2006/main">
   <p:cSld>
     <p:spTree>
